--- a/Fall_2019/Slides/12-Distributed_DBMS_Reliability-2.pptx
+++ b/Fall_2019/Slides/12-Distributed_DBMS_Reliability-2.pptx
@@ -284,7 +284,7 @@
               <a:pPr>
                 <a:defRPr/>
               </a:pPr>
-              <a:t>11/29/18</a:t>
+              <a:t>12/24/19</a:t>
             </a:fld>
             <a:endParaRPr lang="en-US"/>
           </a:p>
@@ -480,7 +480,7 @@
               <a:pPr>
                 <a:defRPr/>
               </a:pPr>
-              <a:t>2018/11/29</a:t>
+              <a:t>2019/12/24</a:t>
             </a:fld>
             <a:endParaRPr lang="zh-CN" altLang="en-US"/>
           </a:p>
@@ -1383,7 +1383,7 @@
               <a:pPr>
                 <a:defRPr/>
               </a:pPr>
-              <a:t>2018/11/29</a:t>
+              <a:t>2019/12/24</a:t>
             </a:fld>
             <a:endParaRPr lang="zh-CN" altLang="en-US"/>
           </a:p>
@@ -1589,7 +1589,7 @@
               <a:pPr>
                 <a:defRPr/>
               </a:pPr>
-              <a:t>2018/11/29</a:t>
+              <a:t>2019/12/24</a:t>
             </a:fld>
             <a:endParaRPr lang="zh-CN" altLang="en-US"/>
           </a:p>
@@ -1804,7 +1804,7 @@
               <a:pPr>
                 <a:defRPr/>
               </a:pPr>
-              <a:t>2018/11/29</a:t>
+              <a:t>2019/12/24</a:t>
             </a:fld>
             <a:endParaRPr lang="zh-CN" altLang="en-US"/>
           </a:p>
@@ -2009,7 +2009,7 @@
               <a:pPr>
                 <a:defRPr/>
               </a:pPr>
-              <a:t>2018/11/29</a:t>
+              <a:t>2019/12/24</a:t>
             </a:fld>
             <a:endParaRPr lang="zh-CN" altLang="en-US"/>
           </a:p>
@@ -2537,7 +2537,7 @@
               <a:pPr>
                 <a:defRPr/>
               </a:pPr>
-              <a:t>2018/11/29</a:t>
+              <a:t>2019/12/24</a:t>
             </a:fld>
             <a:endParaRPr lang="zh-CN" altLang="en-US"/>
           </a:p>
@@ -2842,7 +2842,7 @@
               <a:pPr>
                 <a:defRPr/>
               </a:pPr>
-              <a:t>2018/11/29</a:t>
+              <a:t>2019/12/24</a:t>
             </a:fld>
             <a:endParaRPr lang="zh-CN" altLang="en-US"/>
           </a:p>
@@ -3362,7 +3362,7 @@
               <a:pPr>
                 <a:defRPr/>
               </a:pPr>
-              <a:t>2018/11/29</a:t>
+              <a:t>2019/12/24</a:t>
             </a:fld>
             <a:endParaRPr lang="zh-CN" altLang="en-US"/>
           </a:p>
@@ -3519,7 +3519,7 @@
               <a:pPr>
                 <a:defRPr/>
               </a:pPr>
-              <a:t>2018/11/29</a:t>
+              <a:t>2019/12/24</a:t>
             </a:fld>
             <a:endParaRPr lang="zh-CN" altLang="en-US"/>
           </a:p>
@@ -3769,7 +3769,7 @@
               <a:pPr>
                 <a:defRPr/>
               </a:pPr>
-              <a:t>2018/11/29</a:t>
+              <a:t>2019/12/24</a:t>
             </a:fld>
             <a:endParaRPr lang="zh-CN" altLang="en-US"/>
           </a:p>
@@ -4067,7 +4067,7 @@
               <a:pPr>
                 <a:defRPr/>
               </a:pPr>
-              <a:t>2018/11/29</a:t>
+              <a:t>2019/12/24</a:t>
             </a:fld>
             <a:endParaRPr lang="zh-CN" altLang="en-US"/>
           </a:p>
@@ -4539,7 +4539,7 @@
               <a:pPr>
                 <a:defRPr/>
               </a:pPr>
-              <a:t>2018/11/29</a:t>
+              <a:t>2019/12/24</a:t>
             </a:fld>
             <a:endParaRPr lang="zh-CN" altLang="en-US"/>
           </a:p>
@@ -5111,7 +5111,7 @@
               <a:pPr>
                 <a:defRPr/>
               </a:pPr>
-              <a:t>2018/11/29</a:t>
+              <a:t>2019/12/24</a:t>
             </a:fld>
             <a:endParaRPr lang="zh-CN" altLang="en-US"/>
           </a:p>
@@ -5841,7 +5841,11 @@
             </a:pPr>
             <a:r>
               <a:rPr lang="en-US" altLang="zh-CN" sz="2800" dirty="0" smtClean="0"/>
-              <a:t>Autumn, 2007</a:t>
+              <a:t>Autumn, </a:t>
+            </a:r>
+            <a:r>
+              <a:rPr lang="en-US" altLang="zh-CN" sz="2800" dirty="0" smtClean="0"/>
+              <a:t>2019</a:t>
             </a:r>
             <a:endParaRPr lang="zh-CN" altLang="en-US" sz="2800" dirty="0"/>
           </a:p>
@@ -7358,6 +7362,13 @@
   <p:clrMapOvr>
     <a:masterClrMapping/>
   </p:clrMapOvr>
+  <p:timing>
+    <p:tnLst>
+      <p:par>
+        <p:cTn id="1" dur="indefinite" restart="never" nodeType="tmRoot"/>
+      </p:par>
+    </p:tnLst>
+  </p:timing>
 </p:sld>
 </file>
 
@@ -7851,6 +7862,13 @@
   <p:clrMapOvr>
     <a:masterClrMapping/>
   </p:clrMapOvr>
+  <p:timing>
+    <p:tnLst>
+      <p:par>
+        <p:cTn id="1" dur="indefinite" restart="never" nodeType="tmRoot"/>
+      </p:par>
+    </p:tnLst>
+  </p:timing>
 </p:sld>
 </file>
 
@@ -8005,6 +8023,13 @@
   <p:clrMapOvr>
     <a:masterClrMapping/>
   </p:clrMapOvr>
+  <p:timing>
+    <p:tnLst>
+      <p:par>
+        <p:cTn id="1" dur="indefinite" restart="never" nodeType="tmRoot"/>
+      </p:par>
+    </p:tnLst>
+  </p:timing>
 </p:sld>
 </file>
 
@@ -8146,6 +8171,13 @@
   <p:clrMapOvr>
     <a:masterClrMapping/>
   </p:clrMapOvr>
+  <p:timing>
+    <p:tnLst>
+      <p:par>
+        <p:cTn id="1" dur="indefinite" restart="never" nodeType="tmRoot"/>
+      </p:par>
+    </p:tnLst>
+  </p:timing>
 </p:sld>
 </file>
 
@@ -8448,6 +8480,13 @@
   <p:clrMapOvr>
     <a:masterClrMapping/>
   </p:clrMapOvr>
+  <p:timing>
+    <p:tnLst>
+      <p:par>
+        <p:cTn id="1" dur="indefinite" restart="never" nodeType="tmRoot"/>
+      </p:par>
+    </p:tnLst>
+  </p:timing>
 </p:sld>
 </file>
 
@@ -8584,6 +8623,13 @@
   <p:clrMapOvr>
     <a:masterClrMapping/>
   </p:clrMapOvr>
+  <p:timing>
+    <p:tnLst>
+      <p:par>
+        <p:cTn id="1" dur="indefinite" restart="never" nodeType="tmRoot"/>
+      </p:par>
+    </p:tnLst>
+  </p:timing>
 </p:sld>
 </file>
 
@@ -8785,6 +8831,13 @@
   <p:clrMapOvr>
     <a:masterClrMapping/>
   </p:clrMapOvr>
+  <p:timing>
+    <p:tnLst>
+      <p:par>
+        <p:cTn id="1" dur="indefinite" restart="never" nodeType="tmRoot"/>
+      </p:par>
+    </p:tnLst>
+  </p:timing>
 </p:sld>
 </file>
 
@@ -8961,6 +9014,13 @@
   <p:clrMapOvr>
     <a:masterClrMapping/>
   </p:clrMapOvr>
+  <p:timing>
+    <p:tnLst>
+      <p:par>
+        <p:cTn id="1" dur="indefinite" restart="never" nodeType="tmRoot"/>
+      </p:par>
+    </p:tnLst>
+  </p:timing>
 </p:sld>
 </file>
 
@@ -9271,6 +9331,13 @@
   <p:clrMapOvr>
     <a:masterClrMapping/>
   </p:clrMapOvr>
+  <p:timing>
+    <p:tnLst>
+      <p:par>
+        <p:cTn id="1" dur="indefinite" restart="never" nodeType="tmRoot"/>
+      </p:par>
+    </p:tnLst>
+  </p:timing>
 </p:sld>
 </file>
 
@@ -9473,11 +9540,11 @@
             </a:r>
             <a:r>
               <a:rPr lang="en-US" altLang="zh-CN" dirty="0"/>
-              <a:t>X, Y write locks (no read locks—why</a:t>
+              <a:t>X, Y write </a:t>
             </a:r>
             <a:r>
               <a:rPr lang="en-US" altLang="zh-CN" dirty="0" smtClean="0"/>
-              <a:t>?)</a:t>
+              <a:t>locks</a:t>
             </a:r>
           </a:p>
           <a:p>
@@ -9594,6 +9661,13 @@
   <p:clrMapOvr>
     <a:masterClrMapping/>
   </p:clrMapOvr>
+  <p:timing>
+    <p:tnLst>
+      <p:par>
+        <p:cTn id="1" dur="indefinite" restart="never" nodeType="tmRoot"/>
+      </p:par>
+    </p:tnLst>
+  </p:timing>
 </p:sld>
 </file>
 
@@ -9750,6 +9824,13 @@
   <p:clrMapOvr>
     <a:masterClrMapping/>
   </p:clrMapOvr>
+  <p:timing>
+    <p:tnLst>
+      <p:par>
+        <p:cTn id="1" dur="indefinite" restart="never" nodeType="tmRoot"/>
+      </p:par>
+    </p:tnLst>
+  </p:timing>
 </p:sld>
 </file>
 
@@ -9916,6 +9997,13 @@
   <p:clrMapOvr>
     <a:masterClrMapping/>
   </p:clrMapOvr>
+  <p:timing>
+    <p:tnLst>
+      <p:par>
+        <p:cTn id="1" dur="indefinite" restart="never" nodeType="tmRoot"/>
+      </p:par>
+    </p:tnLst>
+  </p:timing>
 </p:sld>
 </file>
 
@@ -10143,6 +10231,13 @@
   <p:clrMapOvr>
     <a:masterClrMapping/>
   </p:clrMapOvr>
+  <p:timing>
+    <p:tnLst>
+      <p:par>
+        <p:cTn id="1" dur="indefinite" restart="never" nodeType="tmRoot"/>
+      </p:par>
+    </p:tnLst>
+  </p:timing>
 </p:sld>
 </file>
 
@@ -10412,6 +10507,13 @@
   <p:clrMapOvr>
     <a:masterClrMapping/>
   </p:clrMapOvr>
+  <p:timing>
+    <p:tnLst>
+      <p:par>
+        <p:cTn id="1" dur="indefinite" restart="never" nodeType="tmRoot"/>
+      </p:par>
+    </p:tnLst>
+  </p:timing>
 </p:sld>
 </file>
 
@@ -10845,6 +10947,13 @@
   <p:clrMapOvr>
     <a:masterClrMapping/>
   </p:clrMapOvr>
+  <p:timing>
+    <p:tnLst>
+      <p:par>
+        <p:cTn id="1" dur="indefinite" restart="never" nodeType="tmRoot"/>
+      </p:par>
+    </p:tnLst>
+  </p:timing>
 </p:sld>
 </file>
 
@@ -11070,6 +11179,13 @@
   <p:clrMapOvr>
     <a:masterClrMapping/>
   </p:clrMapOvr>
+  <p:timing>
+    <p:tnLst>
+      <p:par>
+        <p:cTn id="1" dur="indefinite" restart="never" nodeType="tmRoot"/>
+      </p:par>
+    </p:tnLst>
+  </p:timing>
 </p:sld>
 </file>
 
@@ -13722,6 +13838,13 @@
   <p:clrMapOvr>
     <a:masterClrMapping/>
   </p:clrMapOvr>
+  <p:timing>
+    <p:tnLst>
+      <p:par>
+        <p:cTn id="1" dur="indefinite" restart="never" nodeType="tmRoot"/>
+      </p:par>
+    </p:tnLst>
+  </p:timing>
 </p:sld>
 </file>
 

--- a/Fall_2019/Slides/12-Distributed_DBMS_Reliability-2.pptx
+++ b/Fall_2019/Slides/12-Distributed_DBMS_Reliability-2.pptx
@@ -284,7 +284,7 @@
               <a:pPr>
                 <a:defRPr/>
               </a:pPr>
-              <a:t>12/24/19</a:t>
+              <a:t>11/13/20</a:t>
             </a:fld>
             <a:endParaRPr lang="en-US"/>
           </a:p>
@@ -480,7 +480,7 @@
               <a:pPr>
                 <a:defRPr/>
               </a:pPr>
-              <a:t>2019/12/24</a:t>
+              <a:t>2020/11/13</a:t>
             </a:fld>
             <a:endParaRPr lang="zh-CN" altLang="en-US"/>
           </a:p>
@@ -1383,7 +1383,7 @@
               <a:pPr>
                 <a:defRPr/>
               </a:pPr>
-              <a:t>2019/12/24</a:t>
+              <a:t>2020/11/13</a:t>
             </a:fld>
             <a:endParaRPr lang="zh-CN" altLang="en-US"/>
           </a:p>
@@ -1589,7 +1589,7 @@
               <a:pPr>
                 <a:defRPr/>
               </a:pPr>
-              <a:t>2019/12/24</a:t>
+              <a:t>2020/11/13</a:t>
             </a:fld>
             <a:endParaRPr lang="zh-CN" altLang="en-US"/>
           </a:p>
@@ -1804,7 +1804,7 @@
               <a:pPr>
                 <a:defRPr/>
               </a:pPr>
-              <a:t>2019/12/24</a:t>
+              <a:t>2020/11/13</a:t>
             </a:fld>
             <a:endParaRPr lang="zh-CN" altLang="en-US"/>
           </a:p>
@@ -2009,7 +2009,7 @@
               <a:pPr>
                 <a:defRPr/>
               </a:pPr>
-              <a:t>2019/12/24</a:t>
+              <a:t>2020/11/13</a:t>
             </a:fld>
             <a:endParaRPr lang="zh-CN" altLang="en-US"/>
           </a:p>
@@ -2537,7 +2537,7 @@
               <a:pPr>
                 <a:defRPr/>
               </a:pPr>
-              <a:t>2019/12/24</a:t>
+              <a:t>2020/11/13</a:t>
             </a:fld>
             <a:endParaRPr lang="zh-CN" altLang="en-US"/>
           </a:p>
@@ -2842,7 +2842,7 @@
               <a:pPr>
                 <a:defRPr/>
               </a:pPr>
-              <a:t>2019/12/24</a:t>
+              <a:t>2020/11/13</a:t>
             </a:fld>
             <a:endParaRPr lang="zh-CN" altLang="en-US"/>
           </a:p>
@@ -3362,7 +3362,7 @@
               <a:pPr>
                 <a:defRPr/>
               </a:pPr>
-              <a:t>2019/12/24</a:t>
+              <a:t>2020/11/13</a:t>
             </a:fld>
             <a:endParaRPr lang="zh-CN" altLang="en-US"/>
           </a:p>
@@ -3519,7 +3519,7 @@
               <a:pPr>
                 <a:defRPr/>
               </a:pPr>
-              <a:t>2019/12/24</a:t>
+              <a:t>2020/11/13</a:t>
             </a:fld>
             <a:endParaRPr lang="zh-CN" altLang="en-US"/>
           </a:p>
@@ -3769,7 +3769,7 @@
               <a:pPr>
                 <a:defRPr/>
               </a:pPr>
-              <a:t>2019/12/24</a:t>
+              <a:t>2020/11/13</a:t>
             </a:fld>
             <a:endParaRPr lang="zh-CN" altLang="en-US"/>
           </a:p>
@@ -4067,7 +4067,7 @@
               <a:pPr>
                 <a:defRPr/>
               </a:pPr>
-              <a:t>2019/12/24</a:t>
+              <a:t>2020/11/13</a:t>
             </a:fld>
             <a:endParaRPr lang="zh-CN" altLang="en-US"/>
           </a:p>
@@ -4539,7 +4539,7 @@
               <a:pPr>
                 <a:defRPr/>
               </a:pPr>
-              <a:t>2019/12/24</a:t>
+              <a:t>2020/11/13</a:t>
             </a:fld>
             <a:endParaRPr lang="zh-CN" altLang="en-US"/>
           </a:p>
@@ -5111,7 +5111,7 @@
               <a:pPr>
                 <a:defRPr/>
               </a:pPr>
-              <a:t>2019/12/24</a:t>
+              <a:t>2020/11/13</a:t>
             </a:fld>
             <a:endParaRPr lang="zh-CN" altLang="en-US"/>
           </a:p>
@@ -5841,11 +5841,7 @@
             </a:pPr>
             <a:r>
               <a:rPr lang="en-US" altLang="zh-CN" sz="2800" dirty="0" smtClean="0"/>
-              <a:t>Autumn, </a:t>
-            </a:r>
-            <a:r>
-              <a:rPr lang="en-US" altLang="zh-CN" sz="2800" dirty="0" smtClean="0"/>
-              <a:t>2019</a:t>
+              <a:t>Autumn, 2019</a:t>
             </a:r>
             <a:endParaRPr lang="zh-CN" altLang="en-US" sz="2800" dirty="0"/>
           </a:p>
@@ -8242,13 +8238,42 @@
           </a:p>
           <a:p>
             <a:r>
-              <a:rPr lang="en-US" dirty="0" err="1" smtClean="0"/>
+              <a:rPr lang="en-US" altLang="zh-CN" dirty="0" smtClean="0"/>
+              <a:t>Consistency</a:t>
+            </a:r>
+            <a:endParaRPr lang="en-US" dirty="0" smtClean="0"/>
+          </a:p>
+          <a:p>
+            <a:r>
+              <a:rPr lang="en-US" strike="sngStrike" dirty="0" err="1" smtClean="0">
+                <a:solidFill>
+                  <a:schemeClr val="tx1">
+                    <a:lumMod val="50000"/>
+                    <a:lumOff val="50000"/>
+                  </a:schemeClr>
+                </a:solidFill>
+              </a:rPr>
               <a:t>Serializability</a:t>
             </a:r>
             <a:r>
-              <a:rPr lang="en-US" dirty="0" smtClean="0"/>
+              <a:rPr lang="en-US" strike="sngStrike" dirty="0" smtClean="0">
+                <a:solidFill>
+                  <a:schemeClr val="tx1">
+                    <a:lumMod val="50000"/>
+                    <a:lumOff val="50000"/>
+                  </a:schemeClr>
+                </a:solidFill>
+              </a:rPr>
               <a:t> </a:t>
             </a:r>
+            <a:endParaRPr lang="en-US" strike="sngStrike" dirty="0" smtClean="0">
+              <a:solidFill>
+                <a:schemeClr val="tx1">
+                  <a:lumMod val="50000"/>
+                  <a:lumOff val="50000"/>
+                </a:schemeClr>
+              </a:solidFill>
+            </a:endParaRPr>
           </a:p>
           <a:p>
             <a:r>
